--- a/baekjoon/b13023/ppt1.pptx
+++ b/baekjoon/b13023/ppt1.pptx
@@ -261,7 +261,7 @@
           <a:p>
             <a:fld id="{196A0071-D323-4306-B194-69F113F61C9F}" type="datetimeFigureOut">
               <a:rPr lang="ko-KR" altLang="en-US" smtClean="0"/>
-              <a:t>2025. 6. 19.</a:t>
+              <a:t>2025-06-19</a:t>
             </a:fld>
             <a:endParaRPr lang="ko-KR" altLang="en-US"/>
           </a:p>
@@ -461,7 +461,7 @@
           <a:p>
             <a:fld id="{196A0071-D323-4306-B194-69F113F61C9F}" type="datetimeFigureOut">
               <a:rPr lang="ko-KR" altLang="en-US" smtClean="0"/>
-              <a:t>2025. 6. 19.</a:t>
+              <a:t>2025-06-19</a:t>
             </a:fld>
             <a:endParaRPr lang="ko-KR" altLang="en-US"/>
           </a:p>
@@ -671,7 +671,7 @@
           <a:p>
             <a:fld id="{196A0071-D323-4306-B194-69F113F61C9F}" type="datetimeFigureOut">
               <a:rPr lang="ko-KR" altLang="en-US" smtClean="0"/>
-              <a:t>2025. 6. 19.</a:t>
+              <a:t>2025-06-19</a:t>
             </a:fld>
             <a:endParaRPr lang="ko-KR" altLang="en-US"/>
           </a:p>
@@ -871,7 +871,7 @@
           <a:p>
             <a:fld id="{196A0071-D323-4306-B194-69F113F61C9F}" type="datetimeFigureOut">
               <a:rPr lang="ko-KR" altLang="en-US" smtClean="0"/>
-              <a:t>2025. 6. 19.</a:t>
+              <a:t>2025-06-19</a:t>
             </a:fld>
             <a:endParaRPr lang="ko-KR" altLang="en-US"/>
           </a:p>
@@ -1147,7 +1147,7 @@
           <a:p>
             <a:fld id="{196A0071-D323-4306-B194-69F113F61C9F}" type="datetimeFigureOut">
               <a:rPr lang="ko-KR" altLang="en-US" smtClean="0"/>
-              <a:t>2025. 6. 19.</a:t>
+              <a:t>2025-06-19</a:t>
             </a:fld>
             <a:endParaRPr lang="ko-KR" altLang="en-US"/>
           </a:p>
@@ -1415,7 +1415,7 @@
           <a:p>
             <a:fld id="{196A0071-D323-4306-B194-69F113F61C9F}" type="datetimeFigureOut">
               <a:rPr lang="ko-KR" altLang="en-US" smtClean="0"/>
-              <a:t>2025. 6. 19.</a:t>
+              <a:t>2025-06-19</a:t>
             </a:fld>
             <a:endParaRPr lang="ko-KR" altLang="en-US"/>
           </a:p>
@@ -1830,7 +1830,7 @@
           <a:p>
             <a:fld id="{196A0071-D323-4306-B194-69F113F61C9F}" type="datetimeFigureOut">
               <a:rPr lang="ko-KR" altLang="en-US" smtClean="0"/>
-              <a:t>2025. 6. 19.</a:t>
+              <a:t>2025-06-19</a:t>
             </a:fld>
             <a:endParaRPr lang="ko-KR" altLang="en-US"/>
           </a:p>
@@ -1972,7 +1972,7 @@
           <a:p>
             <a:fld id="{196A0071-D323-4306-B194-69F113F61C9F}" type="datetimeFigureOut">
               <a:rPr lang="ko-KR" altLang="en-US" smtClean="0"/>
-              <a:t>2025. 6. 19.</a:t>
+              <a:t>2025-06-19</a:t>
             </a:fld>
             <a:endParaRPr lang="ko-KR" altLang="en-US"/>
           </a:p>
@@ -2085,7 +2085,7 @@
           <a:p>
             <a:fld id="{196A0071-D323-4306-B194-69F113F61C9F}" type="datetimeFigureOut">
               <a:rPr lang="ko-KR" altLang="en-US" smtClean="0"/>
-              <a:t>2025. 6. 19.</a:t>
+              <a:t>2025-06-19</a:t>
             </a:fld>
             <a:endParaRPr lang="ko-KR" altLang="en-US"/>
           </a:p>
@@ -2398,7 +2398,7 @@
           <a:p>
             <a:fld id="{196A0071-D323-4306-B194-69F113F61C9F}" type="datetimeFigureOut">
               <a:rPr lang="ko-KR" altLang="en-US" smtClean="0"/>
-              <a:t>2025. 6. 19.</a:t>
+              <a:t>2025-06-19</a:t>
             </a:fld>
             <a:endParaRPr lang="ko-KR" altLang="en-US"/>
           </a:p>
@@ -2687,7 +2687,7 @@
           <a:p>
             <a:fld id="{196A0071-D323-4306-B194-69F113F61C9F}" type="datetimeFigureOut">
               <a:rPr lang="ko-KR" altLang="en-US" smtClean="0"/>
-              <a:t>2025. 6. 19.</a:t>
+              <a:t>2025-06-19</a:t>
             </a:fld>
             <a:endParaRPr lang="ko-KR" altLang="en-US"/>
           </a:p>
@@ -2930,7 +2930,7 @@
           <a:p>
             <a:fld id="{196A0071-D323-4306-B194-69F113F61C9F}" type="datetimeFigureOut">
               <a:rPr lang="ko-KR" altLang="en-US" smtClean="0"/>
-              <a:t>2025. 6. 19.</a:t>
+              <a:t>2025-06-19</a:t>
             </a:fld>
             <a:endParaRPr lang="ko-KR" altLang="en-US"/>
           </a:p>
@@ -4811,7 +4811,7 @@
       <a:bodyPr rtlCol="0" anchor="ctr"/>
       <a:lstStyle>
         <a:defPPr algn="ctr">
-          <a:defRPr/>
+          <a:defRPr sz="1000" dirty="0"/>
         </a:defPPr>
       </a:lstStyle>
       <a:style>
@@ -4833,7 +4833,7 @@
       <a:spPr>
         <a:ln w="6350">
           <a:solidFill>
-            <a:schemeClr val="tx1"/>
+            <a:srgbClr val="FF0000"/>
           </a:solidFill>
         </a:ln>
       </a:spPr>
@@ -4858,12 +4858,12 @@
       <a:spPr>
         <a:noFill/>
       </a:spPr>
-      <a:bodyPr wrap="square" rtlCol="0">
+      <a:bodyPr wrap="none" rtlCol="0">
         <a:spAutoFit/>
       </a:bodyPr>
       <a:lstStyle>
         <a:defPPr algn="l">
-          <a:defRPr sz="1000" dirty="0" smtClean="0"/>
+          <a:defRPr sz="1000" dirty="0"/>
         </a:defPPr>
       </a:lstStyle>
     </a:txDef>
